--- a/AIP/Slides/Week 6/Non-Forward Search 04 - HTN Planning.pptx
+++ b/AIP/Slides/Week 6/Non-Forward Search 04 - HTN Planning.pptx
@@ -2212,7 +2212,7 @@
           <a:p>
             <a:fld id="{163B7FA9-1012-492B-84A5-DB45D8DA0564}" type="datetimeFigureOut">
               <a:rPr lang="en-GB" smtClean="0"/>
-              <a:t>29/09/2020</a:t>
+              <a:t>08/11/2020</a:t>
             </a:fld>
             <a:endParaRPr lang="en-GB"/>
           </a:p>
@@ -2795,15 +2795,7 @@
           <a:p>
             <a:r>
               <a:rPr lang="en-GB" dirty="0"/>
-              <a:t>If we take a look at this method a little more closely, it has preconditions that state we cannot run this task lest we know that container c is at the top of pile p and we can figure out which container that c is atop of, so we can </a:t>
-            </a:r>
-            <a:r>
-              <a:rPr lang="en-GB" dirty="0" err="1"/>
-              <a:t>thet</a:t>
-            </a:r>
-            <a:r>
-              <a:rPr lang="en-GB" dirty="0"/>
-              <a:t> set that as top afterwards.  Plus we can see that it not only is designed to solve the move-stack task, but it does so using two subtasks: first we move the topmost container from the original pile and onto another, but also, we have the move-stack task emerge as a subtask.  This ensures that we continue to work our way down the stack by applying the same method again.  </a:t>
+              <a:t>If we take a look at this method a little more closely, it has preconditions that state we cannot run this task lest we know that container c is at the top of pile p and we can figure out which container that c is atop of, so we can then set that as top afterwards.  Plus we can see that it not only is designed to solve the move-stack task, but it does so using two subtasks: first we move the topmost container from the original pile and onto another, but also, we have the move-stack task emerge as a subtask.  This ensures that we continue to work our way down the stack by applying the same method again.  </a:t>
             </a:r>
           </a:p>
           <a:p>
@@ -12929,7 +12921,7 @@
               <a:pPr>
                 <a:defRPr/>
               </a:pPr>
-              <a:t>9/29/2020</a:t>
+              <a:t>11/8/2020</a:t>
             </a:fld>
             <a:endParaRPr lang="en-GB" dirty="0"/>
           </a:p>
@@ -13126,7 +13118,7 @@
               <a:pPr>
                 <a:defRPr/>
               </a:pPr>
-              <a:t>9/29/2020</a:t>
+              <a:t>11/8/2020</a:t>
             </a:fld>
             <a:endParaRPr lang="en-GB" dirty="0"/>
           </a:p>
@@ -13940,7 +13932,7 @@
               <a:pPr>
                 <a:defRPr/>
               </a:pPr>
-              <a:t>9/29/2020</a:t>
+              <a:t>11/8/2020</a:t>
             </a:fld>
             <a:endParaRPr lang="en-GB" dirty="0"/>
           </a:p>
@@ -14137,7 +14129,7 @@
               <a:pPr>
                 <a:defRPr/>
               </a:pPr>
-              <a:t>9/29/2020</a:t>
+              <a:t>11/8/2020</a:t>
             </a:fld>
             <a:endParaRPr lang="en-GB" dirty="0"/>
           </a:p>
@@ -14410,7 +14402,7 @@
               <a:pPr>
                 <a:defRPr/>
               </a:pPr>
-              <a:t>9/29/2020</a:t>
+              <a:t>11/8/2020</a:t>
             </a:fld>
             <a:endParaRPr lang="en-GB" dirty="0"/>
           </a:p>
@@ -14725,7 +14717,7 @@
               <a:pPr>
                 <a:defRPr/>
               </a:pPr>
-              <a:t>9/29/2020</a:t>
+              <a:t>11/8/2020</a:t>
             </a:fld>
             <a:endParaRPr lang="en-GB" dirty="0"/>
           </a:p>
@@ -15174,7 +15166,7 @@
               <a:pPr>
                 <a:defRPr/>
               </a:pPr>
-              <a:t>9/29/2020</a:t>
+              <a:t>11/8/2020</a:t>
             </a:fld>
             <a:endParaRPr lang="en-GB" dirty="0"/>
           </a:p>
@@ -15319,7 +15311,7 @@
               <a:pPr>
                 <a:defRPr/>
               </a:pPr>
-              <a:t>9/29/2020</a:t>
+              <a:t>11/8/2020</a:t>
             </a:fld>
             <a:endParaRPr lang="en-GB" dirty="0"/>
           </a:p>
@@ -15441,7 +15433,7 @@
               <a:pPr>
                 <a:defRPr/>
               </a:pPr>
-              <a:t>9/29/2020</a:t>
+              <a:t>11/8/2020</a:t>
             </a:fld>
             <a:endParaRPr lang="en-GB" dirty="0"/>
           </a:p>
@@ -15745,7 +15737,7 @@
               <a:pPr>
                 <a:defRPr/>
               </a:pPr>
-              <a:t>9/29/2020</a:t>
+              <a:t>11/8/2020</a:t>
             </a:fld>
             <a:endParaRPr lang="en-GB" dirty="0"/>
           </a:p>
@@ -16305,7 +16297,7 @@
               <a:pPr>
                 <a:defRPr/>
               </a:pPr>
-              <a:t>9/29/2020</a:t>
+              <a:t>11/8/2020</a:t>
             </a:fld>
             <a:endParaRPr lang="en-GB" dirty="0"/>
           </a:p>
@@ -16502,7 +16494,7 @@
               <a:pPr>
                 <a:defRPr/>
               </a:pPr>
-              <a:t>9/29/2020</a:t>
+              <a:t>11/8/2020</a:t>
             </a:fld>
             <a:endParaRPr lang="en-GB" dirty="0"/>
           </a:p>
@@ -16709,7 +16701,7 @@
               <a:pPr>
                 <a:defRPr/>
               </a:pPr>
-              <a:t>9/29/2020</a:t>
+              <a:t>11/8/2020</a:t>
             </a:fld>
             <a:endParaRPr lang="en-GB" dirty="0"/>
           </a:p>
@@ -19390,7 +19382,7 @@
               <a:pPr>
                 <a:defRPr/>
               </a:pPr>
-              <a:t>9/29/2020</a:t>
+              <a:t>11/8/2020</a:t>
             </a:fld>
             <a:endParaRPr lang="en-GB" dirty="0"/>
           </a:p>
@@ -22228,7 +22220,7 @@
         </p:blipFill>
         <p:spPr>
           <a:xfrm>
-            <a:off x="7614337" y="2555631"/>
+            <a:off x="5748591" y="2426322"/>
             <a:ext cx="6080789" cy="3788492"/>
           </a:xfrm>
           <a:prstGeom prst="rect">
@@ -22297,8 +22289,8 @@
           </a:p>
         </p:txBody>
       </p:sp>
-      <mc:AlternateContent xmlns:mc="http://schemas.openxmlformats.org/markup-compatibility/2006">
-        <mc:Choice xmlns:a14="http://schemas.microsoft.com/office/drawing/2010/main" Requires="a14">
+      <mc:AlternateContent xmlns:mc="http://schemas.openxmlformats.org/markup-compatibility/2006" xmlns:a14="http://schemas.microsoft.com/office/drawing/2010/main">
+        <mc:Choice Requires="a14">
           <p:sp>
             <p:nvSpPr>
               <p:cNvPr id="3" name="Content Placeholder 2">
@@ -23146,7 +23138,7 @@
             </p:txBody>
           </p:sp>
         </mc:Choice>
-        <mc:Fallback>
+        <mc:Fallback xmlns="">
           <p:sp>
             <p:nvSpPr>
               <p:cNvPr id="3" name="Content Placeholder 2">
@@ -23212,7 +23204,7 @@
         </p:blipFill>
         <p:spPr>
           <a:xfrm>
-            <a:off x="7614337" y="2555631"/>
+            <a:off x="5628519" y="2805013"/>
             <a:ext cx="6080789" cy="3788492"/>
           </a:xfrm>
           <a:prstGeom prst="rect">
@@ -23871,8 +23863,8 @@
           </a:p>
         </p:txBody>
       </p:sp>
-      <mc:AlternateContent xmlns:mc="http://schemas.openxmlformats.org/markup-compatibility/2006">
-        <mc:Choice xmlns:a14="http://schemas.microsoft.com/office/drawing/2010/main" Requires="a14">
+      <mc:AlternateContent xmlns:mc="http://schemas.openxmlformats.org/markup-compatibility/2006" xmlns:a14="http://schemas.microsoft.com/office/drawing/2010/main">
+        <mc:Choice Requires="a14">
           <p:sp>
             <p:nvSpPr>
               <p:cNvPr id="3" name="Content Placeholder 2">
@@ -23957,16 +23949,7 @@
                         </a:solidFill>
                         <a:latin typeface="Cambria Math" panose="02040503050406030204" pitchFamily="18" charset="0"/>
                       </a:rPr>
-                      <m:t>𝑠𝑡𝑎𝑐𝑘</m:t>
-                    </m:r>
-                    <m:r>
-                      <a:rPr lang="en-GB" b="0" i="1" dirty="0" smtClean="0">
-                        <a:solidFill>
-                          <a:schemeClr val="tx1"/>
-                        </a:solidFill>
-                        <a:latin typeface="Cambria Math" panose="02040503050406030204" pitchFamily="18" charset="0"/>
-                      </a:rPr>
-                      <m:t>𝑠</m:t>
+                      <m:t>𝑠𝑡𝑎𝑐𝑘𝑠</m:t>
                     </m:r>
                     <m:r>
                       <a:rPr lang="en-GB" b="0" i="1" dirty="0" smtClean="0">
@@ -24504,7 +24487,7 @@
             </p:txBody>
           </p:sp>
         </mc:Choice>
-        <mc:Fallback>
+        <mc:Fallback xmlns="">
           <p:sp>
             <p:nvSpPr>
               <p:cNvPr id="3" name="Content Placeholder 2">
@@ -25460,7 +25443,9 @@
           </a:xfrm>
         </p:spPr>
         <p:txBody>
-          <a:bodyPr/>
+          <a:bodyPr>
+            <a:normAutofit fontScale="92500"/>
+          </a:bodyPr>
           <a:lstStyle/>
           <a:p>
             <a:r>
@@ -25662,7 +25647,7 @@
         </p:spPr>
         <p:txBody>
           <a:bodyPr>
-            <a:normAutofit fontScale="92500"/>
+            <a:normAutofit/>
           </a:bodyPr>
           <a:lstStyle/>
           <a:p>
@@ -26160,7 +26145,7 @@
         </p:spPr>
         <p:txBody>
           <a:bodyPr>
-            <a:normAutofit/>
+            <a:normAutofit fontScale="92500"/>
           </a:bodyPr>
           <a:lstStyle/>
           <a:p>
@@ -30635,8 +30620,8 @@
           </a:p>
         </p:txBody>
       </p:sp>
-      <mc:AlternateContent xmlns:mc="http://schemas.openxmlformats.org/markup-compatibility/2006" xmlns:a14="http://schemas.microsoft.com/office/drawing/2010/main">
-        <mc:Choice Requires="a14">
+      <mc:AlternateContent xmlns:mc="http://schemas.openxmlformats.org/markup-compatibility/2006">
+        <mc:Choice xmlns:a14="http://schemas.microsoft.com/office/drawing/2010/main" Requires="a14">
           <p:sp>
             <p:nvSpPr>
               <p:cNvPr id="3" name="Content Placeholder 2">
@@ -30697,24 +30682,6 @@
                         <a:latin typeface="Cambria Math" panose="02040503050406030204" pitchFamily="18" charset="0"/>
                       </a:rPr>
                       <m:t>𝑴</m:t>
-                    </m:r>
-                    <m:r>
-                      <a:rPr lang="en-GB" i="1" dirty="0">
-                        <a:solidFill>
-                          <a:schemeClr val="tx1"/>
-                        </a:solidFill>
-                        <a:latin typeface="Cambria Math" panose="02040503050406030204" pitchFamily="18" charset="0"/>
-                      </a:rPr>
-                      <m:t>,</m:t>
-                    </m:r>
-                    <m:r>
-                      <a:rPr lang="en-GB" b="1" i="1" dirty="0" smtClean="0">
-                        <a:solidFill>
-                          <a:schemeClr val="tx1"/>
-                        </a:solidFill>
-                        <a:latin typeface="Cambria Math" panose="02040503050406030204" pitchFamily="18" charset="0"/>
-                      </a:rPr>
-                      <m:t>𝑨</m:t>
                     </m:r>
                     <m:r>
                       <a:rPr lang="en-GB" b="1" i="1" dirty="0" smtClean="0">
@@ -30866,7 +30833,7 @@
             </p:txBody>
           </p:sp>
         </mc:Choice>
-        <mc:Fallback xmlns="">
+        <mc:Fallback>
           <p:sp>
             <p:nvSpPr>
               <p:cNvPr id="3" name="Content Placeholder 2">
@@ -30891,7 +30858,7 @@
               <a:blipFill>
                 <a:blip r:embed="rId3"/>
                 <a:stretch>
-                  <a:fillRect l="-2541" t="-2416"/>
+                  <a:fillRect l="-2541" t="-2282"/>
                 </a:stretch>
               </a:blipFill>
             </p:spPr>
@@ -33020,6 +32987,15 @@
 </file>
 
 <file path=customXml/item1.xml><?xml version="1.0" encoding="utf-8"?>
+<?mso-contentType ?>
+<FormTemplates xmlns="http://schemas.microsoft.com/sharepoint/v3/contenttype/forms">
+  <Display>DocumentLibraryForm</Display>
+  <Edit>DocumentLibraryForm</Edit>
+  <New>DocumentLibraryForm</New>
+</FormTemplates>
+</file>
+
+<file path=customXml/item2.xml><?xml version="1.0" encoding="utf-8"?>
 <ct:contentTypeSchema xmlns:ct="http://schemas.microsoft.com/office/2006/metadata/contentType" xmlns:ma="http://schemas.microsoft.com/office/2006/metadata/properties/metaAttributes" ct:_="" ma:_="" ma:contentTypeName="Document" ma:contentTypeID="0x010100ED59FB2E35D22949B1DD8F65F2E558A2" ma:contentTypeVersion="11" ma:contentTypeDescription="Create a new document." ma:contentTypeScope="" ma:versionID="1614996fb8b880f8bc9f9831bde38a34">
   <xsd:schema xmlns:xsd="http://www.w3.org/2001/XMLSchema" xmlns:xs="http://www.w3.org/2001/XMLSchema" xmlns:p="http://schemas.microsoft.com/office/2006/metadata/properties" xmlns:ns3="e3d1bf5a-5624-430e-ba28-4c7f967a2bc8" xmlns:ns4="a340aef7-832b-40a8-b4ba-ce4d8dbdbf60" targetNamespace="http://schemas.microsoft.com/office/2006/metadata/properties" ma:root="true" ma:fieldsID="0e00925a6f55710d239fbbe137812bdf" ns3:_="" ns4:_="">
     <xsd:import namespace="e3d1bf5a-5624-430e-ba28-4c7f967a2bc8"/>
@@ -33230,15 +33206,6 @@
 </ct:contentTypeSchema>
 </file>
 
-<file path=customXml/item2.xml><?xml version="1.0" encoding="utf-8"?>
-<?mso-contentType ?>
-<FormTemplates xmlns="http://schemas.microsoft.com/sharepoint/v3/contenttype/forms">
-  <Display>DocumentLibraryForm</Display>
-  <Edit>DocumentLibraryForm</Edit>
-  <New>DocumentLibraryForm</New>
-</FormTemplates>
-</file>
-
 <file path=customXml/item3.xml><?xml version="1.0" encoding="utf-8"?>
 <p:properties xmlns:p="http://schemas.microsoft.com/office/2006/metadata/properties" xmlns:xsi="http://www.w3.org/2001/XMLSchema-instance" xmlns:pc="http://schemas.microsoft.com/office/infopath/2007/PartnerControls">
   <documentManagement/>
@@ -33246,6 +33213,14 @@
 </file>
 
 <file path=customXml/itemProps1.xml><?xml version="1.0" encoding="utf-8"?>
+<ds:datastoreItem xmlns:ds="http://schemas.openxmlformats.org/officeDocument/2006/customXml" ds:itemID="{8657C9EE-D2EE-494C-90EA-7DB710EED5C9}">
+  <ds:schemaRefs>
+    <ds:schemaRef ds:uri="http://schemas.microsoft.com/sharepoint/v3/contenttype/forms"/>
+  </ds:schemaRefs>
+</ds:datastoreItem>
+</file>
+
+<file path=customXml/itemProps2.xml><?xml version="1.0" encoding="utf-8"?>
 <ds:datastoreItem xmlns:ds="http://schemas.openxmlformats.org/officeDocument/2006/customXml" ds:itemID="{DD5EDAEF-B14A-4F89-93F6-900346F505C4}">
   <ds:schemaRefs>
     <ds:schemaRef ds:uri="a340aef7-832b-40a8-b4ba-ce4d8dbdbf60"/>
@@ -33265,14 +33240,6 @@
 </ds:datastoreItem>
 </file>
 
-<file path=customXml/itemProps2.xml><?xml version="1.0" encoding="utf-8"?>
-<ds:datastoreItem xmlns:ds="http://schemas.openxmlformats.org/officeDocument/2006/customXml" ds:itemID="{8657C9EE-D2EE-494C-90EA-7DB710EED5C9}">
-  <ds:schemaRefs>
-    <ds:schemaRef ds:uri="http://schemas.microsoft.com/sharepoint/v3/contenttype/forms"/>
-  </ds:schemaRefs>
-</ds:datastoreItem>
-</file>
-
 <file path=customXml/itemProps3.xml><?xml version="1.0" encoding="utf-8"?>
 <ds:datastoreItem xmlns:ds="http://schemas.openxmlformats.org/officeDocument/2006/customXml" ds:itemID="{C4C5424E-11EC-453A-9C9B-9573452133F0}">
   <ds:schemaRefs>
